--- a/NM.ppt.pptx
+++ b/NM.ppt.pptx
@@ -3334,10 +3334,10 @@
       </p:sp>
       <p:pic>
         <p:nvPicPr>
-          <p:cNvPr id="11" name="Picture 10">
+          <p:cNvPr id="10" name="Picture 9">
             <a:extLst>
               <a:ext uri="{FF2B5EF4-FFF2-40B4-BE49-F238E27FC236}">
-                <a16:creationId xmlns:a16="http://schemas.microsoft.com/office/drawing/2014/main" id="{20021EDD-738C-4649-8B98-B5DC8D5A1B5A}"/>
+                <a16:creationId xmlns:a16="http://schemas.microsoft.com/office/drawing/2014/main" id="{D378B72A-6B72-402B-A631-D26813FEA45D}"/>
               </a:ext>
             </a:extLst>
           </p:cNvPr>
@@ -3348,13 +3348,42 @@
         </p:nvPicPr>
         <p:blipFill rotWithShape="1">
           <a:blip r:embed="rId3"/>
-          <a:srcRect l="2005" t="8480" r="3995" b="5547"/>
+          <a:srcRect l="4477" t="15754" r="9702" b="6476"/>
           <a:stretch/>
         </p:blipFill>
         <p:spPr>
           <a:xfrm>
-            <a:off x="4191000" y="1594339"/>
-            <a:ext cx="4800600" cy="3562349"/>
+            <a:off x="5562600" y="4054497"/>
+            <a:ext cx="4915508" cy="2505567"/>
+          </a:xfrm>
+          <a:prstGeom prst="rect">
+            <a:avLst/>
+          </a:prstGeom>
+        </p:spPr>
+      </p:pic>
+      <p:pic>
+        <p:nvPicPr>
+          <p:cNvPr id="14" name="Picture 13">
+            <a:extLst>
+              <a:ext uri="{FF2B5EF4-FFF2-40B4-BE49-F238E27FC236}">
+                <a16:creationId xmlns:a16="http://schemas.microsoft.com/office/drawing/2014/main" id="{AB0645E8-3D2B-44B9-8C6F-0AA2BB0B8433}"/>
+              </a:ext>
+            </a:extLst>
+          </p:cNvPr>
+          <p:cNvPicPr>
+            <a:picLocks noChangeAspect="1"/>
+          </p:cNvPicPr>
+          <p:nvPr/>
+        </p:nvPicPr>
+        <p:blipFill rotWithShape="1">
+          <a:blip r:embed="rId4"/>
+          <a:srcRect l="9925" t="18205" r="1839" b="21665"/>
+          <a:stretch/>
+        </p:blipFill>
+        <p:spPr>
+          <a:xfrm>
+            <a:off x="5630191" y="1712383"/>
+            <a:ext cx="4572000" cy="1752601"/>
           </a:xfrm>
           <a:prstGeom prst="rect">
             <a:avLst/>
